--- a/Maindo Parking Website.pptx
+++ b/Maindo Parking Website.pptx
@@ -18470,7 +18470,7 @@
         <p:spPr>
           <a:xfrm>
             <a:off x="1238250" y="1215397"/>
-            <a:ext cx="7143750" cy="3150380"/>
+            <a:ext cx="7143600" cy="3150300"/>
           </a:xfrm>
           <a:prstGeom prst="rect">
             <a:avLst/>
@@ -18511,6 +18511,106 @@
                 <a:hlinkClick r:id="rId3"/>
               </a:rPr>
               <a:t>https://shreyabanerjee.pythonanywhere.com/</a:t>
+            </a:r>
+            <a:endParaRPr sz="2400"/>
+          </a:p>
+          <a:p>
+            <a:pPr indent="-228600" lvl="0" marL="342900" rtl="0" algn="l">
+              <a:spcBef>
+                <a:spcPts val="0"/>
+              </a:spcBef>
+              <a:spcAft>
+                <a:spcPts val="0"/>
+              </a:spcAft>
+              <a:buSzPts val="1800"/>
+              <a:buNone/>
+            </a:pPr>
+            <a:r>
+              <a:t/>
+            </a:r>
+            <a:endParaRPr sz="2400"/>
+          </a:p>
+          <a:p>
+            <a:pPr indent="-228600" lvl="0" marL="342900" rtl="0" algn="l">
+              <a:spcBef>
+                <a:spcPts val="0"/>
+              </a:spcBef>
+              <a:spcAft>
+                <a:spcPts val="0"/>
+              </a:spcAft>
+              <a:buSzPts val="1800"/>
+              <a:buNone/>
+            </a:pPr>
+            <a:r>
+              <a:rPr lang="en-US" sz="2400"/>
+              <a:t>Valid Usernames and Password:</a:t>
+            </a:r>
+            <a:endParaRPr sz="2400"/>
+          </a:p>
+          <a:p>
+            <a:pPr indent="-228600" lvl="0" marL="342900" rtl="0" algn="l">
+              <a:spcBef>
+                <a:spcPts val="0"/>
+              </a:spcBef>
+              <a:spcAft>
+                <a:spcPts val="0"/>
+              </a:spcAft>
+              <a:buSzPts val="1800"/>
+              <a:buNone/>
+            </a:pPr>
+            <a:r>
+              <a:t/>
+            </a:r>
+            <a:endParaRPr sz="2400"/>
+          </a:p>
+          <a:p>
+            <a:pPr indent="-381000" lvl="0" marL="457200" rtl="0" algn="l">
+              <a:spcBef>
+                <a:spcPts val="0"/>
+              </a:spcBef>
+              <a:spcAft>
+                <a:spcPts val="0"/>
+              </a:spcAft>
+              <a:buSzPts val="2400"/>
+              <a:buAutoNum type="arabicPeriod"/>
+            </a:pPr>
+            <a:r>
+              <a:rPr lang="en-US" sz="2400"/>
+              <a:t>unnati  ,  1234567890</a:t>
+            </a:r>
+            <a:endParaRPr sz="2400"/>
+          </a:p>
+          <a:p>
+            <a:pPr indent="-381000" lvl="0" marL="457200" rtl="0" algn="l">
+              <a:spcBef>
+                <a:spcPts val="0"/>
+              </a:spcBef>
+              <a:spcAft>
+                <a:spcPts val="0"/>
+              </a:spcAft>
+              <a:buSzPts val="2400"/>
+              <a:buAutoNum type="arabicPeriod"/>
+            </a:pPr>
+            <a:r>
+              <a:rPr lang="en-US" sz="2400"/>
+              <a:t>Zenkar , webframeworks</a:t>
+            </a:r>
+            <a:endParaRPr sz="2400"/>
+          </a:p>
+          <a:p>
+            <a:pPr indent="-381000" lvl="0" marL="457200" rtl="0" algn="l">
+              <a:spcBef>
+                <a:spcPts val="0"/>
+              </a:spcBef>
+              <a:spcAft>
+                <a:spcPts val="0"/>
+              </a:spcAft>
+              <a:buSzPts val="2400"/>
+              <a:buAutoNum type="arabicPeriod"/>
+            </a:pPr>
+            <a:r>
+              <a:rPr lang="en-US" sz="2400"/>
+              <a:t>Shreya , webframeworks</a:t>
             </a:r>
             <a:endParaRPr sz="2400"/>
           </a:p>
